--- a/doc/workshop/forwardSampling/short_ForwardSampling.pptx
+++ b/doc/workshop/forwardSampling/short_ForwardSampling.pptx
@@ -429,8 +429,8 @@
       <pc:docMk xmlns:pc="http://schemas.microsoft.com/office/powerpoint/2013/main/command"/>
       <pc:sldMk xmlns:pc="http://schemas.microsoft.com/office/powerpoint/2013/main/command" cId="34653616" sldId="335"/>
       <ac:spMk id="3" creationId="{D08E8F85-C01D-8143-BD69-34E1CC87E338}"/>
-      <ac:txMk cp="77" len="8">
-        <ac:context len="90" hash="3206402305"/>
+      <ac:txMk cp="162" len="8">
+        <ac:context len="175" hash="3451823221"/>
       </ac:txMk>
     </ac:txMkLst>
     <p188:pos x="4022956" y="1178584"/>
@@ -6842,8 +6842,8 @@
           </a:p>
         </p:txBody>
       </p:sp>
-      <mc:AlternateContent xmlns:mc="http://schemas.openxmlformats.org/markup-compatibility/2006" xmlns:a14="http://schemas.microsoft.com/office/drawing/2010/main">
-        <mc:Choice Requires="a14">
+      <mc:AlternateContent xmlns:mc="http://schemas.openxmlformats.org/markup-compatibility/2006">
+        <mc:Choice xmlns:a14="http://schemas.microsoft.com/office/drawing/2010/main" Requires="a14">
           <p:sp>
             <p:nvSpPr>
               <p:cNvPr id="6" name="Content Placeholder 5">
@@ -6897,7 +6897,7 @@
                 <a:pPr lvl="1"/>
                 <a:r>
                   <a:rPr lang="en-US" dirty="0"/>
-                  <a:t>launch angle </a:t>
+                  <a:t>x: launch angle </a:t>
                 </a:r>
                 <a14:m>
                   <m:oMath xmlns:m="http://schemas.openxmlformats.org/officeDocument/2006/math">
@@ -6918,7 +6918,7 @@
                 <a:pPr lvl="1"/>
                 <a:r>
                   <a:rPr lang="en-US" dirty="0"/>
-                  <a:t>launch velocity </a:t>
+                  <a:t>y: launch velocity </a:t>
                 </a:r>
                 <a14:m>
                   <m:oMath xmlns:m="http://schemas.openxmlformats.org/officeDocument/2006/math">
@@ -6964,7 +6964,7 @@
                 <a:pPr lvl="1"/>
                 <a:r>
                   <a:rPr lang="en-US" dirty="0"/>
-                  <a:t>Range </a:t>
+                  <a:t>z: range </a:t>
                 </a:r>
                 <a14:m>
                   <m:oMath xmlns:m="http://schemas.openxmlformats.org/officeDocument/2006/math">
@@ -6985,7 +6985,7 @@
                 <a:pPr lvl="1"/>
                 <a:r>
                   <a:rPr lang="en-US" dirty="0"/>
-                  <a:t>time of flight </a:t>
+                  <a:t>color: time of flight </a:t>
                 </a:r>
                 <a14:m>
                   <m:oMath xmlns:m="http://schemas.openxmlformats.org/officeDocument/2006/math">
@@ -7000,10 +7000,7 @@
                     </m:r>
                   </m:oMath>
                 </a14:m>
-                <a:r>
-                  <a:rPr lang="en-US" dirty="0"/>
-                  <a:t> (point color)</a:t>
-                </a:r>
+                <a:endParaRPr lang="en-US" dirty="0"/>
               </a:p>
               <a:p>
                 <a:pPr lvl="1"/>
@@ -7022,7 +7019,7 @@
             </p:txBody>
           </p:sp>
         </mc:Choice>
-        <mc:Fallback xmlns="">
+        <mc:Fallback>
           <p:sp>
             <p:nvSpPr>
               <p:cNvPr id="6" name="Content Placeholder 5">
@@ -7215,6 +7212,36 @@
           <a:xfrm>
             <a:off x="7376986" y="2870357"/>
             <a:ext cx="4325017" cy="3243763"/>
+          </a:xfrm>
+          <a:prstGeom prst="rect">
+            <a:avLst/>
+          </a:prstGeom>
+        </p:spPr>
+      </p:pic>
+      <p:pic>
+        <p:nvPicPr>
+          <p:cNvPr id="3" name="Picture 2">
+            <a:extLst>
+              <a:ext uri="{FF2B5EF4-FFF2-40B4-BE49-F238E27FC236}">
+                <a16:creationId xmlns:a16="http://schemas.microsoft.com/office/drawing/2014/main" id="{585F166D-F977-5EB5-31E9-7A237B069303}"/>
+              </a:ext>
+            </a:extLst>
+          </p:cNvPr>
+          <p:cNvPicPr>
+            <a:picLocks noChangeAspect="1"/>
+          </p:cNvPicPr>
+          <p:nvPr/>
+        </p:nvPicPr>
+        <p:blipFill>
+          <a:blip r:embed="rId4"/>
+          <a:stretch>
+            <a:fillRect/>
+          </a:stretch>
+        </p:blipFill>
+        <p:spPr>
+          <a:xfrm>
+            <a:off x="4490990" y="4556576"/>
+            <a:ext cx="3210019" cy="2011612"/>
           </a:xfrm>
           <a:prstGeom prst="rect">
             <a:avLst/>
@@ -9501,7 +9528,12 @@
             <p:ph idx="1"/>
           </p:nvPr>
         </p:nvSpPr>
-        <p:spPr/>
+        <p:spPr>
+          <a:xfrm>
+            <a:off x="709472" y="1563831"/>
+            <a:ext cx="6704153" cy="4207040"/>
+          </a:xfrm>
+        </p:spPr>
         <p:txBody>
           <a:bodyPr/>
           <a:lstStyle/>
@@ -9681,7 +9713,7 @@
         </p:blipFill>
         <p:spPr>
           <a:xfrm>
-            <a:off x="4502702" y="3582040"/>
+            <a:off x="3904820" y="3573687"/>
             <a:ext cx="3623143" cy="2717358"/>
           </a:xfrm>
           <a:prstGeom prst="rect">
@@ -10691,12 +10723,6 @@
             <a:endParaRPr lang="en-US" dirty="0"/>
           </a:p>
           <a:p>
-            <a:r>
-              <a:rPr lang="en-US" dirty="0"/>
-              <a:t>Statistics in r5/stats_file.csv</a:t>
-            </a:r>
-          </a:p>
-          <a:p>
             <a:pPr lvl="1"/>
             <a:endParaRPr lang="en-US" dirty="0"/>
           </a:p>
@@ -10709,6 +10735,29 @@
               </a:rPr>
               <a:t>Ready? Go!</a:t>
             </a:r>
+          </a:p>
+          <a:p>
+            <a:endParaRPr lang="en-US" b="1" dirty="0">
+              <a:solidFill>
+                <a:schemeClr val="accent1"/>
+              </a:solidFill>
+            </a:endParaRPr>
+          </a:p>
+          <a:p>
+            <a:endParaRPr lang="en-US" dirty="0"/>
+          </a:p>
+          <a:p>
+            <a:r>
+              <a:rPr lang="en-US" dirty="0"/>
+              <a:t>Statistics in r5/stats_file.csv</a:t>
+            </a:r>
+          </a:p>
+          <a:p>
+            <a:endParaRPr lang="en-US" b="1" dirty="0">
+              <a:solidFill>
+                <a:schemeClr val="accent1"/>
+              </a:solidFill>
+            </a:endParaRPr>
           </a:p>
         </p:txBody>
       </p:sp>
@@ -11636,7 +11685,7 @@
         </p:nvSpPr>
         <p:spPr>
           <a:xfrm>
-            <a:off x="938150" y="1253331"/>
+            <a:off x="938151" y="1551556"/>
             <a:ext cx="10415649" cy="4351338"/>
           </a:xfrm>
         </p:spPr>
@@ -11666,6 +11715,32 @@
             </a:r>
           </a:p>
           <a:p>
+            <a:pPr lvl="1"/>
+            <a:r>
+              <a:rPr lang="en-US" dirty="0"/>
+              <a:t>Your actual path depends on where you installed raven</a:t>
+            </a:r>
+          </a:p>
+          <a:p>
+            <a:pPr lvl="1"/>
+            <a:r>
+              <a:rPr lang="en-US" dirty="0"/>
+              <a:t>For example, </a:t>
+            </a:r>
+            <a:r>
+              <a:rPr lang="en-US" dirty="0">
+                <a:solidFill>
+                  <a:schemeClr val="bg1"/>
+                </a:solidFill>
+                <a:highlight>
+                  <a:srgbClr val="7F7F7F"/>
+                </a:highlight>
+                <a:latin typeface="Lucida Console" panose="020B0609040504020204" pitchFamily="49" charset="0"/>
+              </a:rPr>
+              <a:t>~/projects/raven/</a:t>
+            </a:r>
+          </a:p>
+          <a:p>
             <a:pPr marL="0" indent="0">
               <a:buNone/>
             </a:pPr>
@@ -11693,8 +11768,8 @@
         </p:nvSpPr>
         <p:spPr>
           <a:xfrm>
-            <a:off x="938151" y="2556392"/>
-            <a:ext cx="8494423" cy="523220"/>
+            <a:off x="938151" y="3511781"/>
+            <a:ext cx="8494423" cy="430887"/>
           </a:xfrm>
           <a:prstGeom prst="rect">
             <a:avLst/>
@@ -11712,7 +11787,7 @@
           <a:lstStyle/>
           <a:p>
             <a:r>
-              <a:rPr lang="en-US" sz="2800" dirty="0">
+              <a:rPr lang="en-US" sz="2200" dirty="0">
                 <a:solidFill>
                   <a:schemeClr val="bg1"/>
                 </a:solidFill>
@@ -11721,7 +11796,7 @@
               <a:t>raven/doc/workshop/</a:t>
             </a:r>
             <a:r>
-              <a:rPr lang="en-US" sz="2800" dirty="0" err="1">
+              <a:rPr lang="en-US" sz="2200" dirty="0" err="1">
                 <a:solidFill>
                   <a:schemeClr val="bg1"/>
                 </a:solidFill>
@@ -11729,7 +11804,7 @@
               </a:rPr>
               <a:t>forwardSampling</a:t>
             </a:r>
-            <a:endParaRPr lang="en-US" sz="2800" dirty="0">
+            <a:endParaRPr lang="en-US" sz="2200" dirty="0">
               <a:solidFill>
                 <a:schemeClr val="bg1"/>
               </a:solidFill>
@@ -13630,28 +13705,28 @@
             <a:pPr lvl="1"/>
             <a:r>
               <a:rPr lang="en-US" dirty="0"/>
-              <a:t>atom</a:t>
+              <a:t>Atom</a:t>
             </a:r>
           </a:p>
           <a:p>
             <a:pPr lvl="1"/>
             <a:r>
               <a:rPr lang="en-US" dirty="0"/>
-              <a:t>sublime</a:t>
+              <a:t>Sublime</a:t>
             </a:r>
           </a:p>
           <a:p>
             <a:pPr lvl="1"/>
             <a:r>
               <a:rPr lang="en-US" dirty="0"/>
-              <a:t>notepad++</a:t>
+              <a:t>Notepad++</a:t>
             </a:r>
           </a:p>
           <a:p>
             <a:pPr lvl="1"/>
             <a:r>
               <a:rPr lang="en-US" dirty="0" err="1"/>
-              <a:t>gedit</a:t>
+              <a:t>Gedit</a:t>
             </a:r>
             <a:endParaRPr lang="en-US" dirty="0"/>
           </a:p>
